--- a/MG_Motor_最終工程簡報.pptx
+++ b/MG_Motor_最終工程簡報.pptx
@@ -316,7 +316,7 @@
           <a:p>
             <a:fld id="{5BCAD085-E8A6-8845-BD4E-CB4CCA059FC4}" type="datetimeFigureOut">
               <a:rPr lang="en-US" smtClean="0"/>
-              <a:t>7/22/2025</a:t>
+              <a:t>8/5/2025</a:t>
             </a:fld>
             <a:endParaRPr lang="en-US"/>
           </a:p>
@@ -486,7 +486,7 @@
           <a:p>
             <a:fld id="{5BCAD085-E8A6-8845-BD4E-CB4CCA059FC4}" type="datetimeFigureOut">
               <a:rPr lang="en-US" smtClean="0"/>
-              <a:t>7/22/2025</a:t>
+              <a:t>8/5/2025</a:t>
             </a:fld>
             <a:endParaRPr lang="en-US"/>
           </a:p>
@@ -666,7 +666,7 @@
           <a:p>
             <a:fld id="{5BCAD085-E8A6-8845-BD4E-CB4CCA059FC4}" type="datetimeFigureOut">
               <a:rPr lang="en-US" smtClean="0"/>
-              <a:t>7/22/2025</a:t>
+              <a:t>8/5/2025</a:t>
             </a:fld>
             <a:endParaRPr lang="en-US"/>
           </a:p>
@@ -836,7 +836,7 @@
           <a:p>
             <a:fld id="{5BCAD085-E8A6-8845-BD4E-CB4CCA059FC4}" type="datetimeFigureOut">
               <a:rPr lang="en-US" smtClean="0"/>
-              <a:t>7/22/2025</a:t>
+              <a:t>8/5/2025</a:t>
             </a:fld>
             <a:endParaRPr lang="en-US"/>
           </a:p>
@@ -1082,7 +1082,7 @@
           <a:p>
             <a:fld id="{5BCAD085-E8A6-8845-BD4E-CB4CCA059FC4}" type="datetimeFigureOut">
               <a:rPr lang="en-US" smtClean="0"/>
-              <a:t>7/22/2025</a:t>
+              <a:t>8/5/2025</a:t>
             </a:fld>
             <a:endParaRPr lang="en-US"/>
           </a:p>
@@ -1370,7 +1370,7 @@
           <a:p>
             <a:fld id="{5BCAD085-E8A6-8845-BD4E-CB4CCA059FC4}" type="datetimeFigureOut">
               <a:rPr lang="en-US" smtClean="0"/>
-              <a:t>7/22/2025</a:t>
+              <a:t>8/5/2025</a:t>
             </a:fld>
             <a:endParaRPr lang="en-US"/>
           </a:p>
@@ -1792,7 +1792,7 @@
           <a:p>
             <a:fld id="{5BCAD085-E8A6-8845-BD4E-CB4CCA059FC4}" type="datetimeFigureOut">
               <a:rPr lang="en-US" smtClean="0"/>
-              <a:t>7/22/2025</a:t>
+              <a:t>8/5/2025</a:t>
             </a:fld>
             <a:endParaRPr lang="en-US"/>
           </a:p>
@@ -1910,7 +1910,7 @@
           <a:p>
             <a:fld id="{5BCAD085-E8A6-8845-BD4E-CB4CCA059FC4}" type="datetimeFigureOut">
               <a:rPr lang="en-US" smtClean="0"/>
-              <a:t>7/22/2025</a:t>
+              <a:t>8/5/2025</a:t>
             </a:fld>
             <a:endParaRPr lang="en-US"/>
           </a:p>
@@ -2005,7 +2005,7 @@
           <a:p>
             <a:fld id="{5BCAD085-E8A6-8845-BD4E-CB4CCA059FC4}" type="datetimeFigureOut">
               <a:rPr lang="en-US" smtClean="0"/>
-              <a:t>7/22/2025</a:t>
+              <a:t>8/5/2025</a:t>
             </a:fld>
             <a:endParaRPr lang="en-US"/>
           </a:p>
@@ -2282,7 +2282,7 @@
           <a:p>
             <a:fld id="{5BCAD085-E8A6-8845-BD4E-CB4CCA059FC4}" type="datetimeFigureOut">
               <a:rPr lang="en-US" smtClean="0"/>
-              <a:t>7/22/2025</a:t>
+              <a:t>8/5/2025</a:t>
             </a:fld>
             <a:endParaRPr lang="en-US"/>
           </a:p>
@@ -2535,7 +2535,7 @@
           <a:p>
             <a:fld id="{5BCAD085-E8A6-8845-BD4E-CB4CCA059FC4}" type="datetimeFigureOut">
               <a:rPr lang="en-US" smtClean="0"/>
-              <a:t>7/22/2025</a:t>
+              <a:t>8/5/2025</a:t>
             </a:fld>
             <a:endParaRPr lang="en-US"/>
           </a:p>
@@ -2748,7 +2748,7 @@
           <a:p>
             <a:fld id="{5BCAD085-E8A6-8845-BD4E-CB4CCA059FC4}" type="datetimeFigureOut">
               <a:rPr lang="en-US" smtClean="0"/>
-              <a:t>7/22/2025</a:t>
+              <a:t>8/5/2025</a:t>
             </a:fld>
             <a:endParaRPr lang="en-US"/>
           </a:p>
@@ -3211,7 +3211,7 @@
       </p:sp>
       <p:pic>
         <p:nvPicPr>
-          <p:cNvPr id="4" name="內容版面配置區 3"/>
+          <p:cNvPr id="5" name="內容版面配置區 4"/>
           <p:cNvPicPr>
             <a:picLocks noGrp="1" noChangeAspect="1"/>
           </p:cNvPicPr>
@@ -3233,8 +3233,8 @@
         </p:blipFill>
         <p:spPr>
           <a:xfrm>
-            <a:off x="457200" y="2505276"/>
-            <a:ext cx="8229600" cy="2715811"/>
+            <a:off x="457200" y="2314438"/>
+            <a:ext cx="8229600" cy="3097487"/>
           </a:xfrm>
         </p:spPr>
       </p:pic>
@@ -3905,7 +3905,7 @@
       </p:sp>
       <p:pic>
         <p:nvPicPr>
-          <p:cNvPr id="6" name="內容版面配置區 5"/>
+          <p:cNvPr id="4" name="內容版面配置區 3"/>
           <p:cNvPicPr>
             <a:picLocks noGrp="1" noChangeAspect="1"/>
           </p:cNvPicPr>
@@ -3927,8 +3927,8 @@
         </p:blipFill>
         <p:spPr>
           <a:xfrm>
-            <a:off x="457200" y="1880302"/>
-            <a:ext cx="8229600" cy="3965759"/>
+            <a:off x="457200" y="1889363"/>
+            <a:ext cx="8229600" cy="3947636"/>
           </a:xfrm>
         </p:spPr>
       </p:pic>
@@ -4140,7 +4140,7 @@
       </p:sp>
       <p:pic>
         <p:nvPicPr>
-          <p:cNvPr id="5" name="內容版面配置區 4"/>
+          <p:cNvPr id="4" name="內容版面配置區 3"/>
           <p:cNvPicPr>
             <a:picLocks noGrp="1" noChangeAspect="1"/>
           </p:cNvPicPr>
@@ -4162,8 +4162,8 @@
         </p:blipFill>
         <p:spPr>
           <a:xfrm>
-            <a:off x="457200" y="1897581"/>
-            <a:ext cx="8229600" cy="3931200"/>
+            <a:off x="457200" y="2070381"/>
+            <a:ext cx="8229600" cy="3585600"/>
           </a:xfrm>
         </p:spPr>
       </p:pic>
@@ -4291,7 +4291,7 @@
       </p:sp>
       <p:pic>
         <p:nvPicPr>
-          <p:cNvPr id="4" name="內容版面配置區 3"/>
+          <p:cNvPr id="5" name="內容版面配置區 4"/>
           <p:cNvPicPr>
             <a:picLocks noGrp="1" noChangeAspect="1"/>
           </p:cNvPicPr>
@@ -4313,8 +4313,8 @@
         </p:blipFill>
         <p:spPr>
           <a:xfrm>
-            <a:off x="457200" y="2174061"/>
-            <a:ext cx="8229600" cy="3378240"/>
+            <a:off x="457200" y="2217261"/>
+            <a:ext cx="8229600" cy="3291840"/>
           </a:xfrm>
         </p:spPr>
       </p:pic>

--- a/MG_Motor_最終工程簡報.pptx
+++ b/MG_Motor_最終工程簡報.pptx
@@ -316,7 +316,7 @@
           <a:p>
             <a:fld id="{5BCAD085-E8A6-8845-BD4E-CB4CCA059FC4}" type="datetimeFigureOut">
               <a:rPr lang="en-US" smtClean="0"/>
-              <a:t>8/5/2025</a:t>
+              <a:t>8/6/2025</a:t>
             </a:fld>
             <a:endParaRPr lang="en-US"/>
           </a:p>
@@ -486,7 +486,7 @@
           <a:p>
             <a:fld id="{5BCAD085-E8A6-8845-BD4E-CB4CCA059FC4}" type="datetimeFigureOut">
               <a:rPr lang="en-US" smtClean="0"/>
-              <a:t>8/5/2025</a:t>
+              <a:t>8/6/2025</a:t>
             </a:fld>
             <a:endParaRPr lang="en-US"/>
           </a:p>
@@ -666,7 +666,7 @@
           <a:p>
             <a:fld id="{5BCAD085-E8A6-8845-BD4E-CB4CCA059FC4}" type="datetimeFigureOut">
               <a:rPr lang="en-US" smtClean="0"/>
-              <a:t>8/5/2025</a:t>
+              <a:t>8/6/2025</a:t>
             </a:fld>
             <a:endParaRPr lang="en-US"/>
           </a:p>
@@ -836,7 +836,7 @@
           <a:p>
             <a:fld id="{5BCAD085-E8A6-8845-BD4E-CB4CCA059FC4}" type="datetimeFigureOut">
               <a:rPr lang="en-US" smtClean="0"/>
-              <a:t>8/5/2025</a:t>
+              <a:t>8/6/2025</a:t>
             </a:fld>
             <a:endParaRPr lang="en-US"/>
           </a:p>
@@ -1082,7 +1082,7 @@
           <a:p>
             <a:fld id="{5BCAD085-E8A6-8845-BD4E-CB4CCA059FC4}" type="datetimeFigureOut">
               <a:rPr lang="en-US" smtClean="0"/>
-              <a:t>8/5/2025</a:t>
+              <a:t>8/6/2025</a:t>
             </a:fld>
             <a:endParaRPr lang="en-US"/>
           </a:p>
@@ -1370,7 +1370,7 @@
           <a:p>
             <a:fld id="{5BCAD085-E8A6-8845-BD4E-CB4CCA059FC4}" type="datetimeFigureOut">
               <a:rPr lang="en-US" smtClean="0"/>
-              <a:t>8/5/2025</a:t>
+              <a:t>8/6/2025</a:t>
             </a:fld>
             <a:endParaRPr lang="en-US"/>
           </a:p>
@@ -1792,7 +1792,7 @@
           <a:p>
             <a:fld id="{5BCAD085-E8A6-8845-BD4E-CB4CCA059FC4}" type="datetimeFigureOut">
               <a:rPr lang="en-US" smtClean="0"/>
-              <a:t>8/5/2025</a:t>
+              <a:t>8/6/2025</a:t>
             </a:fld>
             <a:endParaRPr lang="en-US"/>
           </a:p>
@@ -1910,7 +1910,7 @@
           <a:p>
             <a:fld id="{5BCAD085-E8A6-8845-BD4E-CB4CCA059FC4}" type="datetimeFigureOut">
               <a:rPr lang="en-US" smtClean="0"/>
-              <a:t>8/5/2025</a:t>
+              <a:t>8/6/2025</a:t>
             </a:fld>
             <a:endParaRPr lang="en-US"/>
           </a:p>
@@ -2005,7 +2005,7 @@
           <a:p>
             <a:fld id="{5BCAD085-E8A6-8845-BD4E-CB4CCA059FC4}" type="datetimeFigureOut">
               <a:rPr lang="en-US" smtClean="0"/>
-              <a:t>8/5/2025</a:t>
+              <a:t>8/6/2025</a:t>
             </a:fld>
             <a:endParaRPr lang="en-US"/>
           </a:p>
@@ -2282,7 +2282,7 @@
           <a:p>
             <a:fld id="{5BCAD085-E8A6-8845-BD4E-CB4CCA059FC4}" type="datetimeFigureOut">
               <a:rPr lang="en-US" smtClean="0"/>
-              <a:t>8/5/2025</a:t>
+              <a:t>8/6/2025</a:t>
             </a:fld>
             <a:endParaRPr lang="en-US"/>
           </a:p>
@@ -2535,7 +2535,7 @@
           <a:p>
             <a:fld id="{5BCAD085-E8A6-8845-BD4E-CB4CCA059FC4}" type="datetimeFigureOut">
               <a:rPr lang="en-US" smtClean="0"/>
-              <a:t>8/5/2025</a:t>
+              <a:t>8/6/2025</a:t>
             </a:fld>
             <a:endParaRPr lang="en-US"/>
           </a:p>
@@ -2748,7 +2748,7 @@
           <a:p>
             <a:fld id="{5BCAD085-E8A6-8845-BD4E-CB4CCA059FC4}" type="datetimeFigureOut">
               <a:rPr lang="en-US" smtClean="0"/>
-              <a:t>8/5/2025</a:t>
+              <a:t>8/6/2025</a:t>
             </a:fld>
             <a:endParaRPr lang="en-US"/>
           </a:p>
@@ -3755,6 +3755,25 @@
             <a:r>
               <a:rPr lang="en-US" altLang="zh-TW" dirty="0" err="1" smtClean="0"/>
               <a:t>Netlify</a:t>
+            </a:r>
+            <a:endParaRPr lang="en-US" altLang="zh-TW" dirty="0" smtClean="0"/>
+          </a:p>
+          <a:p>
+            <a:r>
+              <a:rPr lang="zh-TW" altLang="en-US" dirty="0" smtClean="0"/>
+              <a:t>網址</a:t>
+            </a:r>
+            <a:r>
+              <a:rPr lang="en-US" altLang="zh-TW" dirty="0"/>
+              <a:t>:https://mg-</a:t>
+            </a:r>
+            <a:r>
+              <a:rPr lang="en-US" altLang="zh-TW" dirty="0" err="1"/>
+              <a:t>motor.netlify.app</a:t>
+            </a:r>
+            <a:r>
+              <a:rPr lang="en-US" altLang="zh-TW" dirty="0"/>
+              <a:t>/</a:t>
             </a:r>
             <a:endParaRPr dirty="0"/>
           </a:p>
